--- a/디오니소스 화면구성.pptx
+++ b/디오니소스 화면구성.pptx
@@ -2,7 +2,7 @@
 <file path=ppt/presentation.xml><?xml version="1.0" encoding="utf-8"?>
 <p:presentation xmlns:a="http://schemas.openxmlformats.org/drawingml/2006/main" xmlns:r="http://schemas.openxmlformats.org/officeDocument/2006/relationships" xmlns:p="http://schemas.openxmlformats.org/presentationml/2006/main" xmlns:p14="http://schemas.microsoft.com/office/powerpoint/2010/main" saveSubsetFonts="1">
   <p:sldMasterIdLst>
-    <p:sldMasterId id="2147483670" r:id="rId13"/>
+    <p:sldMasterId id="2147483672" r:id="rId13"/>
   </p:sldMasterIdLst>
   <p:notesMasterIdLst>
     <p:notesMasterId r:id="rId17"/>
@@ -10377,8 +10377,8 @@
         </p:nvSpPr>
         <p:spPr>
           <a:xfrm rot="0">
-            <a:off x="-21590" y="530225"/>
-            <a:ext cx="1633220" cy="6330950"/>
+            <a:off x="-1390650" y="530225"/>
+            <a:ext cx="1633855" cy="6331585"/>
           </a:xfrm>
           <a:prstGeom prst="rect"/>
         </p:spPr>
@@ -10404,7 +10404,7 @@
           </a:bodyPr>
           <a:lstStyle/>
           <a:p>
-            <a:pPr marL="0" indent="0" algn="ctr" hangingPunct="1">
+            <a:pPr marL="0" indent="0" algn="ctr" latinLnBrk="0" hangingPunct="1">
               <a:buFontTx/>
               <a:buNone/>
             </a:pPr>
@@ -10435,7 +10435,7 @@
             </a:endParaRPr>
           </a:p>
           <a:p>
-            <a:pPr marL="0" indent="0" algn="ctr" hangingPunct="1">
+            <a:pPr marL="0" indent="0" algn="ctr" latinLnBrk="0" hangingPunct="1">
               <a:buFontTx/>
               <a:buNone/>
             </a:pPr>
@@ -10452,7 +10452,7 @@
             </a:endParaRPr>
           </a:p>
           <a:p>
-            <a:pPr marL="0" indent="0" algn="ctr" hangingPunct="1">
+            <a:pPr marL="0" indent="0" algn="ctr" latinLnBrk="0" hangingPunct="1">
               <a:buFontTx/>
               <a:buNone/>
             </a:pPr>
@@ -10469,7 +10469,7 @@
             </a:endParaRPr>
           </a:p>
           <a:p>
-            <a:pPr marL="0" indent="0" algn="ctr" hangingPunct="1">
+            <a:pPr marL="0" indent="0" algn="ctr" latinLnBrk="0" hangingPunct="1">
               <a:buFontTx/>
               <a:buNone/>
             </a:pPr>
@@ -10486,7 +10486,7 @@
             </a:endParaRPr>
           </a:p>
           <a:p>
-            <a:pPr marL="0" indent="0" algn="ctr" hangingPunct="1">
+            <a:pPr marL="0" indent="0" algn="ctr" latinLnBrk="0" hangingPunct="1">
               <a:buFontTx/>
               <a:buNone/>
             </a:pPr>
@@ -10503,7 +10503,7 @@
             </a:endParaRPr>
           </a:p>
           <a:p>
-            <a:pPr marL="0" indent="0" algn="ctr" hangingPunct="1">
+            <a:pPr marL="0" indent="0" algn="ctr" latinLnBrk="0" hangingPunct="1">
               <a:buFontTx/>
               <a:buNone/>
             </a:pPr>
